--- a/Transport sector optimization_ focus on steel demand.pptx
+++ b/Transport sector optimization_ focus on steel demand.pptx
@@ -8537,6 +8537,79 @@
           </a:p>
         </p:txBody>
       </p:sp>
+      <p:pic>
+        <p:nvPicPr>
+          <p:cNvPr id="4" name="Image 3">
+            <a:extLst>
+              <a:ext uri="{FF2B5EF4-FFF2-40B4-BE49-F238E27FC236}">
+                <a16:creationId xmlns:a16="http://schemas.microsoft.com/office/drawing/2014/main" id="{437D2378-17AB-41C8-9A34-07B0B7AB3F54}"/>
+              </a:ext>
+            </a:extLst>
+          </p:cNvPr>
+          <p:cNvPicPr>
+            <a:picLocks noChangeAspect="1"/>
+          </p:cNvPicPr>
+          <p:nvPr/>
+        </p:nvPicPr>
+        <p:blipFill>
+          <a:blip r:embed="rId3"/>
+          <a:stretch>
+            <a:fillRect/>
+          </a:stretch>
+        </p:blipFill>
+        <p:spPr>
+          <a:xfrm>
+            <a:off x="20489207" y="30050228"/>
+            <a:ext cx="5934263" cy="7692783"/>
+          </a:xfrm>
+          <a:prstGeom prst="rect">
+            <a:avLst/>
+          </a:prstGeom>
+        </p:spPr>
+      </p:pic>
+      <p:sp>
+        <p:nvSpPr>
+          <p:cNvPr id="5" name="ZoneTexte 4">
+            <a:extLst>
+              <a:ext uri="{FF2B5EF4-FFF2-40B4-BE49-F238E27FC236}">
+                <a16:creationId xmlns:a16="http://schemas.microsoft.com/office/drawing/2014/main" id="{153E1F9D-1A80-4EE1-9D5B-A7F4C0128566}"/>
+              </a:ext>
+            </a:extLst>
+          </p:cNvPr>
+          <p:cNvSpPr txBox="1"/>
+          <p:nvPr/>
+        </p:nvSpPr>
+        <p:spPr>
+          <a:xfrm>
+            <a:off x="11971988" y="32586167"/>
+            <a:ext cx="8517219" cy="2173544"/>
+          </a:xfrm>
+          <a:prstGeom prst="rect">
+            <a:avLst/>
+          </a:prstGeom>
+          <a:noFill/>
+        </p:spPr>
+        <p:txBody>
+          <a:bodyPr wrap="square" rtlCol="0">
+            <a:spAutoFit/>
+          </a:bodyPr>
+          <a:lstStyle/>
+          <a:p>
+            <a:r>
+              <a:rPr lang="fr-FR" b="1" dirty="0"/>
+              <a:t>Link to the </a:t>
+            </a:r>
+            <a:r>
+              <a:rPr lang="fr-FR" b="1" dirty="0" err="1"/>
+              <a:t>Github</a:t>
+            </a:r>
+            <a:r>
+              <a:rPr lang="fr-FR" b="1" dirty="0"/>
+              <a:t> repository</a:t>
+            </a:r>
+          </a:p>
+        </p:txBody>
+      </p:sp>
     </p:spTree>
   </p:cSld>
   <p:clrMapOvr>
